--- a/2025/specification-education-monthly/2025-10-Europe-NA.pptx
+++ b/2025/specification-education-monthly/2025-10-Europe-NA.pptx
@@ -29,23 +29,27 @@
   <p:notesSz cx="6858000" cy="9144000"/>
   <p:embeddedFontLst>
     <p:embeddedFont>
+      <p:font typeface="Chalkduster" panose="03050602040202020205" pitchFamily="66" charset="77"/>
+      <p:regular r:id="rId19"/>
+    </p:embeddedFont>
+    <p:embeddedFont>
       <p:font typeface="Open Sans Medium" panose="020B0306030504020204" pitchFamily="34" charset="0"/>
-      <p:regular r:id="rId19"/>
-      <p:bold r:id="rId20"/>
-      <p:italic r:id="rId21"/>
-      <p:boldItalic r:id="rId22"/>
+      <p:regular r:id="rId20"/>
+      <p:bold r:id="rId21"/>
+      <p:italic r:id="rId22"/>
+      <p:boldItalic r:id="rId23"/>
     </p:embeddedFont>
     <p:embeddedFont>
       <p:font typeface="Roboto" panose="02000000000000000000" pitchFamily="2" charset="0"/>
-      <p:regular r:id="rId23"/>
-      <p:bold r:id="rId24"/>
-      <p:italic r:id="rId25"/>
-      <p:boldItalic r:id="rId26"/>
+      <p:regular r:id="rId24"/>
+      <p:bold r:id="rId25"/>
+      <p:italic r:id="rId26"/>
+      <p:boldItalic r:id="rId27"/>
     </p:embeddedFont>
     <p:embeddedFont>
       <p:font typeface="Roboto Slab Light" panose="020F0302020204030204" pitchFamily="34" charset="0"/>
-      <p:regular r:id="rId27"/>
-      <p:bold r:id="rId28"/>
+      <p:regular r:id="rId28"/>
+      <p:bold r:id="rId29"/>
     </p:embeddedFont>
   </p:embeddedFontLst>
   <p:defaultTextStyle>
@@ -6441,7 +6445,7 @@
             <a:pPr marL="0" lvl="0" indent="0"/>
             <a:r>
               <a:rPr lang="en-US" dirty="0"/>
-              <a:t>North America / Europe - 2025-10-08 @ 16:30 UTC</a:t>
+              <a:t>Europe / Asia - 2025-10-15 @ 08:30 UTC</a:t>
             </a:r>
             <a:endParaRPr dirty="0"/>
           </a:p>
@@ -8140,8 +8144,8 @@
         </p:nvSpPr>
         <p:spPr bwMode="auto">
           <a:xfrm>
-            <a:off x="280350" y="1597123"/>
-            <a:ext cx="8296873" cy="2677656"/>
+            <a:off x="280350" y="1520179"/>
+            <a:ext cx="8296873" cy="2831544"/>
           </a:xfrm>
           <a:prstGeom prst="rect">
             <a:avLst/>
@@ -8601,6 +8605,177 @@
                 <a:cs typeface="Arial" panose="020B0604020202020204" pitchFamily="34" charset="0"/>
               </a:rPr>
               <a:t>    suffered a cybersecurity incident, report to the ENISA Single Reporting Platform (SRP).</a:t>
+            </a:r>
+            <a:br>
+              <a:rPr kumimoji="0" lang="en-US" altLang="en-JP" sz="1000" b="0" i="0" u="none" strike="noStrike" cap="none" normalizeH="0" baseline="0" dirty="0">
+                <a:ln>
+                  <a:noFill/>
+                </a:ln>
+                <a:solidFill>
+                  <a:srgbClr val="444746"/>
+                </a:solidFill>
+                <a:effectLst/>
+                <a:latin typeface="Roboto" panose="02000000000000000000" pitchFamily="2" charset="0"/>
+                <a:cs typeface="Arial" panose="020B0604020202020204" pitchFamily="34" charset="0"/>
+              </a:rPr>
+            </a:br>
+            <a:r>
+              <a:rPr kumimoji="0" lang="en-US" altLang="en-JP" sz="1000" b="0" i="1" u="none" strike="noStrike" cap="none" normalizeH="0" baseline="0" dirty="0">
+                <a:ln>
+                  <a:noFill/>
+                </a:ln>
+                <a:solidFill>
+                  <a:srgbClr val="444746"/>
+                </a:solidFill>
+                <a:effectLst/>
+                <a:latin typeface="Roboto" panose="02000000000000000000" pitchFamily="2" charset="0"/>
+                <a:cs typeface="Arial" panose="020B0604020202020204" pitchFamily="34" charset="0"/>
+              </a:rPr>
+              <a:t>Notes from </a:t>
+            </a:r>
+            <a:r>
+              <a:rPr kumimoji="0" lang="en-US" altLang="en-JP" sz="1000" b="0" i="1" u="none" strike="noStrike" cap="none" normalizeH="0" baseline="0" dirty="0" err="1">
+                <a:ln>
+                  <a:noFill/>
+                </a:ln>
+                <a:solidFill>
+                  <a:srgbClr val="444746"/>
+                </a:solidFill>
+                <a:effectLst/>
+                <a:latin typeface="Roboto" panose="02000000000000000000" pitchFamily="2" charset="0"/>
+                <a:cs typeface="Arial" panose="020B0604020202020204" pitchFamily="34" charset="0"/>
+              </a:rPr>
+              <a:t>CRob</a:t>
+            </a:r>
+            <a:r>
+              <a:rPr kumimoji="0" lang="en-US" altLang="en-JP" sz="1000" b="0" i="1" u="none" strike="noStrike" cap="none" normalizeH="0" baseline="0" dirty="0">
+                <a:ln>
+                  <a:noFill/>
+                </a:ln>
+                <a:solidFill>
+                  <a:srgbClr val="444746"/>
+                </a:solidFill>
+                <a:effectLst/>
+                <a:latin typeface="Roboto" panose="02000000000000000000" pitchFamily="2" charset="0"/>
+                <a:cs typeface="Arial" panose="020B0604020202020204" pitchFamily="34" charset="0"/>
+              </a:rPr>
+              <a:t> over at </a:t>
+            </a:r>
+            <a:r>
+              <a:rPr kumimoji="0" lang="en-US" altLang="en-JP" sz="1000" b="0" i="1" u="none" strike="noStrike" cap="none" normalizeH="0" baseline="0" dirty="0" err="1">
+                <a:ln>
+                  <a:noFill/>
+                </a:ln>
+                <a:solidFill>
+                  <a:srgbClr val="444746"/>
+                </a:solidFill>
+                <a:effectLst/>
+                <a:latin typeface="Roboto" panose="02000000000000000000" pitchFamily="2" charset="0"/>
+                <a:cs typeface="Arial" panose="020B0604020202020204" pitchFamily="34" charset="0"/>
+              </a:rPr>
+              <a:t>OpenSSF</a:t>
+            </a:r>
+            <a:endParaRPr kumimoji="0" lang="en-US" altLang="en-JP" sz="1000" b="0" i="1" u="none" strike="noStrike" cap="none" normalizeH="0" baseline="0" dirty="0">
+              <a:ln>
+                <a:noFill/>
+              </a:ln>
+              <a:solidFill>
+                <a:srgbClr val="444746"/>
+              </a:solidFill>
+              <a:effectLst/>
+              <a:latin typeface="Roboto" panose="02000000000000000000" pitchFamily="2" charset="0"/>
+              <a:cs typeface="Arial" panose="020B0604020202020204" pitchFamily="34" charset="0"/>
+            </a:endParaRPr>
+          </a:p>
+        </p:txBody>
+      </p:sp>
+      <p:sp>
+        <p:nvSpPr>
+          <p:cNvPr id="2" name="TextBox 1">
+            <a:extLst>
+              <a:ext uri="{FF2B5EF4-FFF2-40B4-BE49-F238E27FC236}">
+                <a16:creationId xmlns:a16="http://schemas.microsoft.com/office/drawing/2014/main" id="{9C5CCA5C-B2EE-62C1-A6E4-26087899D741}"/>
+              </a:ext>
+            </a:extLst>
+          </p:cNvPr>
+          <p:cNvSpPr txBox="1"/>
+          <p:nvPr/>
+        </p:nvSpPr>
+        <p:spPr>
+          <a:xfrm>
+            <a:off x="196482" y="205964"/>
+            <a:ext cx="2789546" cy="954107"/>
+          </a:xfrm>
+          <a:prstGeom prst="rect">
+            <a:avLst/>
+          </a:prstGeom>
+          <a:noFill/>
+        </p:spPr>
+        <p:txBody>
+          <a:bodyPr wrap="none" rtlCol="0">
+            <a:spAutoFit/>
+          </a:bodyPr>
+          <a:lstStyle/>
+          <a:p>
+            <a:r>
+              <a:rPr lang="en-JP" dirty="0">
+                <a:solidFill>
+                  <a:srgbClr val="FF0000"/>
+                </a:solidFill>
+                <a:latin typeface="Chalkduster" panose="03050602040202020205" pitchFamily="66" charset="77"/>
+              </a:rPr>
+              <a:t>For reference only. </a:t>
+            </a:r>
+            <a:br>
+              <a:rPr lang="en-JP" dirty="0">
+                <a:solidFill>
+                  <a:srgbClr val="FF0000"/>
+                </a:solidFill>
+                <a:latin typeface="Chalkduster" panose="03050602040202020205" pitchFamily="66" charset="77"/>
+              </a:rPr>
+            </a:br>
+            <a:r>
+              <a:rPr lang="en-JP" dirty="0">
+                <a:solidFill>
+                  <a:srgbClr val="FF0000"/>
+                </a:solidFill>
+                <a:latin typeface="Chalkduster" panose="03050602040202020205" pitchFamily="66" charset="77"/>
+              </a:rPr>
+              <a:t>There is no need to read</a:t>
+            </a:r>
+            <a:br>
+              <a:rPr lang="en-JP" dirty="0">
+                <a:solidFill>
+                  <a:srgbClr val="FF0000"/>
+                </a:solidFill>
+                <a:latin typeface="Chalkduster" panose="03050602040202020205" pitchFamily="66" charset="77"/>
+              </a:rPr>
+            </a:br>
+            <a:r>
+              <a:rPr lang="en-JP" dirty="0">
+                <a:solidFill>
+                  <a:srgbClr val="FF0000"/>
+                </a:solidFill>
+                <a:latin typeface="Chalkduster" panose="03050602040202020205" pitchFamily="66" charset="77"/>
+              </a:rPr>
+              <a:t>this material in-depth</a:t>
+            </a:r>
+            <a:br>
+              <a:rPr lang="en-JP" dirty="0">
+                <a:solidFill>
+                  <a:srgbClr val="FF0000"/>
+                </a:solidFill>
+                <a:latin typeface="Chalkduster" panose="03050602040202020205" pitchFamily="66" charset="77"/>
+              </a:rPr>
+            </a:br>
+            <a:r>
+              <a:rPr lang="en-JP" dirty="0">
+                <a:solidFill>
+                  <a:srgbClr val="FF0000"/>
+                </a:solidFill>
+                <a:latin typeface="Chalkduster" panose="03050602040202020205" pitchFamily="66" charset="77"/>
+              </a:rPr>
+              <a:t>in this meeting</a:t>
             </a:r>
           </a:p>
         </p:txBody>
@@ -8712,7 +8887,33 @@
               <a:rPr lang="en-US" dirty="0"/>
               <a:t>First thoughts: there is a lot of work to do to turn this series of information and solution ideas into a specification, but it seems like an interesting journey, and it would be interesting to see if we could collaborate if the community agrees.</a:t>
             </a:r>
-            <a:endParaRPr lang="en-JP" dirty="0"/>
+          </a:p>
+          <a:p>
+            <a:r>
+              <a:rPr lang="en-US" dirty="0"/>
+              <a:t>Key thing: mapping </a:t>
+            </a:r>
+            <a:r>
+              <a:rPr lang="en-US" i="1" dirty="0"/>
+              <a:t>problem</a:t>
+            </a:r>
+            <a:r>
+              <a:rPr lang="en-US" dirty="0"/>
+              <a:t> &gt; </a:t>
+            </a:r>
+            <a:r>
+              <a:rPr lang="en-US" i="1" dirty="0"/>
+              <a:t>requirements to solve </a:t>
+            </a:r>
+            <a:r>
+              <a:rPr lang="en-US" dirty="0"/>
+              <a:t>&gt; </a:t>
+            </a:r>
+            <a:r>
+              <a:rPr lang="en-US" i="1" dirty="0"/>
+              <a:t>solution</a:t>
+            </a:r>
+            <a:endParaRPr lang="en-JP" i="1" dirty="0"/>
           </a:p>
         </p:txBody>
       </p:sp>
@@ -9543,7 +9744,7 @@
             </a:pPr>
             <a:r>
               <a:rPr lang="en-US" dirty="0"/>
-              <a:t>Specification Work Group – Some Questions for the Community</a:t>
+              <a:t>Specification Work Group – CRA, other regulations and our standards</a:t>
             </a:r>
           </a:p>
           <a:p>
@@ -9754,7 +9955,7 @@
             </a:pPr>
             <a:r>
               <a:rPr lang="en-US" sz="1600" dirty="0"/>
-              <a:t>Welcoming the OpenChain Ambassador Program:</a:t>
+              <a:t>Welcoming the OpenChain Ambassador Program – we have over 20!:</a:t>
             </a:r>
             <a:br>
               <a:rPr lang="en-US" sz="1600" dirty="0"/>
@@ -9778,7 +9979,7 @@
             </a:pPr>
             <a:r>
               <a:rPr lang="en-US" sz="1600" dirty="0"/>
-              <a:t>Update on OpenChain ISO/IEC 18974 and the CRA:</a:t>
+              <a:t>OpenChain ISO/IEC 18974 was referenced in the CRA standards development:</a:t>
             </a:r>
             <a:br>
               <a:rPr lang="en-US" sz="1600" dirty="0"/>
@@ -9802,7 +10003,7 @@
             </a:pPr>
             <a:r>
               <a:rPr lang="en-US" sz="1600" dirty="0"/>
-              <a:t>RECORDING: OpenChain SBOM Work Group – Monthly Meeting – 2025-09-24</a:t>
+              <a:t>OpenChain SBOM Work Group – driving forward SBOM quality discussion</a:t>
             </a:r>
             <a:r>
               <a:rPr lang="en-JP" sz="1600" dirty="0"/>
@@ -9945,7 +10146,7 @@
         </p:spPr>
         <p:txBody>
           <a:bodyPr>
-            <a:normAutofit/>
+            <a:normAutofit lnSpcReduction="10000"/>
           </a:bodyPr>
           <a:lstStyle/>
           <a:p>
@@ -9978,7 +10179,17 @@
             </a:pPr>
             <a:r>
               <a:rPr lang="en-US" sz="1600" dirty="0"/>
-              <a:t>We will be following this process closely for the SBOM Quality Guide(s)</a:t>
+              <a:t>We will be following this process closely for the SBOM Quality Guide(s).</a:t>
+            </a:r>
+          </a:p>
+          <a:p>
+            <a:pPr>
+              <a:buFont typeface="+mj-lt"/>
+              <a:buAutoNum type="arabicPeriod"/>
+            </a:pPr>
+            <a:r>
+              <a:rPr lang="en-US" sz="1600" dirty="0"/>
+              <a:t>We (SBOM and Telco) already collaborated with sister projects to prepare comments for the deadline.</a:t>
             </a:r>
           </a:p>
         </p:txBody>
@@ -10932,7 +11143,7 @@
             </a:pPr>
             <a:r>
               <a:rPr lang="en-US" dirty="0"/>
-              <a:t>An open question for our community is whether we should continue to expand the scope and coverage of our standards</a:t>
+              <a:t>An open question for our community is whether we should continue to expand the scope and coverage of our two standards.</a:t>
             </a:r>
           </a:p>
           <a:p>
@@ -10947,7 +11158,7 @@
             </a:pPr>
             <a:r>
               <a:rPr lang="en-US" dirty="0"/>
-              <a:t>Perhaps the most immediate example is the Security Specification, ISO/IEC 18974, with the incoming CRA regulation in December 2026.</a:t>
+              <a:t>Perhaps the most immediate example is the Security Specification, ISO/IEC 18974, with the incoming CRA regulation in December 2026 (see next slide).</a:t>
             </a:r>
           </a:p>
           <a:p>
@@ -10961,8 +11172,12 @@
               <a:buNone/>
             </a:pPr>
             <a:r>
-              <a:rPr lang="en-US" dirty="0"/>
-              <a:t>On the next slide we will examine one of the key regulation(s) that will impact open source projects.</a:t>
+              <a:rPr lang="en-US" i="1" dirty="0" err="1"/>
+              <a:t>tl;dr</a:t>
+            </a:r>
+            <a:r>
+              <a:rPr lang="en-US" i="1" dirty="0"/>
+              <a:t>: at the North America / Europe meeting earlier this month, we had emerging consensus that the most important thing was a global focus, and to explore commonalities of regulations…but not favor specific geographies.</a:t>
             </a:r>
           </a:p>
         </p:txBody>

--- a/2025/specification-education-monthly/2025-10-Europe-NA.pptx
+++ b/2025/specification-education-monthly/2025-10-Europe-NA.pptx
@@ -8,48 +8,44 @@
     <p:notesMasterId r:id="rId18"/>
   </p:notesMasterIdLst>
   <p:sldIdLst>
-    <p:sldId id="257" r:id="rId2"/>
-    <p:sldId id="269" r:id="rId3"/>
-    <p:sldId id="270" r:id="rId4"/>
-    <p:sldId id="762" r:id="rId5"/>
-    <p:sldId id="764" r:id="rId6"/>
-    <p:sldId id="770" r:id="rId7"/>
-    <p:sldId id="763" r:id="rId8"/>
-    <p:sldId id="670" r:id="rId9"/>
-    <p:sldId id="765" r:id="rId10"/>
-    <p:sldId id="768" r:id="rId11"/>
-    <p:sldId id="769" r:id="rId12"/>
-    <p:sldId id="272" r:id="rId13"/>
-    <p:sldId id="752" r:id="rId14"/>
-    <p:sldId id="278" r:id="rId15"/>
-    <p:sldId id="279" r:id="rId16"/>
-    <p:sldId id="267" r:id="rId17"/>
+    <p:sldId id="771" r:id="rId2"/>
+    <p:sldId id="772" r:id="rId3"/>
+    <p:sldId id="773" r:id="rId4"/>
+    <p:sldId id="774" r:id="rId5"/>
+    <p:sldId id="775" r:id="rId6"/>
+    <p:sldId id="776" r:id="rId7"/>
+    <p:sldId id="777" r:id="rId8"/>
+    <p:sldId id="778" r:id="rId9"/>
+    <p:sldId id="779" r:id="rId10"/>
+    <p:sldId id="780" r:id="rId11"/>
+    <p:sldId id="781" r:id="rId12"/>
+    <p:sldId id="782" r:id="rId13"/>
+    <p:sldId id="783" r:id="rId14"/>
+    <p:sldId id="784" r:id="rId15"/>
+    <p:sldId id="785" r:id="rId16"/>
+    <p:sldId id="786" r:id="rId17"/>
   </p:sldIdLst>
   <p:sldSz cx="9144000" cy="5143500" type="screen16x9"/>
   <p:notesSz cx="6858000" cy="9144000"/>
   <p:embeddedFontLst>
     <p:embeddedFont>
-      <p:font typeface="Chalkduster" panose="03050602040202020205" pitchFamily="66" charset="77"/>
+      <p:font typeface="Open Sans Medium" panose="020B0306030504020204" pitchFamily="34" charset="0"/>
       <p:regular r:id="rId19"/>
-    </p:embeddedFont>
-    <p:embeddedFont>
-      <p:font typeface="Open Sans Medium" panose="020B0306030504020204" pitchFamily="34" charset="0"/>
-      <p:regular r:id="rId20"/>
-      <p:bold r:id="rId21"/>
-      <p:italic r:id="rId22"/>
-      <p:boldItalic r:id="rId23"/>
+      <p:bold r:id="rId20"/>
+      <p:italic r:id="rId21"/>
+      <p:boldItalic r:id="rId22"/>
     </p:embeddedFont>
     <p:embeddedFont>
       <p:font typeface="Roboto" panose="02000000000000000000" pitchFamily="2" charset="0"/>
-      <p:regular r:id="rId24"/>
-      <p:bold r:id="rId25"/>
-      <p:italic r:id="rId26"/>
-      <p:boldItalic r:id="rId27"/>
+      <p:regular r:id="rId23"/>
+      <p:bold r:id="rId24"/>
+      <p:italic r:id="rId25"/>
+      <p:boldItalic r:id="rId26"/>
     </p:embeddedFont>
     <p:embeddedFont>
       <p:font typeface="Roboto Slab Light" panose="020F0302020204030204" pitchFamily="34" charset="0"/>
-      <p:regular r:id="rId28"/>
-      <p:bold r:id="rId29"/>
+      <p:regular r:id="rId27"/>
+      <p:bold r:id="rId28"/>
     </p:embeddedFont>
   </p:embeddedFontLst>
   <p:defaultTextStyle>
@@ -6445,7 +6441,7 @@
             <a:pPr marL="0" lvl="0" indent="0"/>
             <a:r>
               <a:rPr lang="en-US" dirty="0"/>
-              <a:t>Europe / Asia - 2025-10-15 @ 08:30 UTC</a:t>
+              <a:t>North America / Europe - 2025-10-08 @ 16:30 UTC</a:t>
             </a:r>
             <a:endParaRPr dirty="0"/>
           </a:p>
@@ -6454,7 +6450,7 @@
     </p:spTree>
     <p:extLst>
       <p:ext uri="{BB962C8B-B14F-4D97-AF65-F5344CB8AC3E}">
-        <p14:creationId xmlns:p14="http://schemas.microsoft.com/office/powerpoint/2010/main" val="1190988011"/>
+        <p14:creationId xmlns:p14="http://schemas.microsoft.com/office/powerpoint/2010/main" val="2520644606"/>
       </p:ext>
     </p:extLst>
   </p:cSld>
@@ -6547,13 +6543,7 @@
           <p:cNvGraphicFramePr>
             <a:graphicFrameLocks noGrp="1"/>
           </p:cNvGraphicFramePr>
-          <p:nvPr>
-            <p:extLst>
-              <p:ext uri="{D42A27DB-BD31-4B8C-83A1-F6EECF244321}">
-                <p14:modId xmlns:p14="http://schemas.microsoft.com/office/powerpoint/2010/main" val="948368589"/>
-              </p:ext>
-            </p:extLst>
-          </p:nvPr>
+          <p:nvPr/>
         </p:nvGraphicFramePr>
         <p:xfrm>
           <a:off x="3056021" y="0"/>
@@ -8144,8 +8134,8 @@
         </p:nvSpPr>
         <p:spPr bwMode="auto">
           <a:xfrm>
-            <a:off x="280350" y="1520179"/>
-            <a:ext cx="8296873" cy="2831544"/>
+            <a:off x="280350" y="1597123"/>
+            <a:ext cx="8296873" cy="2677656"/>
           </a:xfrm>
           <a:prstGeom prst="rect">
             <a:avLst/>
@@ -8606,184 +8596,13 @@
               </a:rPr>
               <a:t>    suffered a cybersecurity incident, report to the ENISA Single Reporting Platform (SRP).</a:t>
             </a:r>
-            <a:br>
-              <a:rPr kumimoji="0" lang="en-US" altLang="en-JP" sz="1000" b="0" i="0" u="none" strike="noStrike" cap="none" normalizeH="0" baseline="0" dirty="0">
-                <a:ln>
-                  <a:noFill/>
-                </a:ln>
-                <a:solidFill>
-                  <a:srgbClr val="444746"/>
-                </a:solidFill>
-                <a:effectLst/>
-                <a:latin typeface="Roboto" panose="02000000000000000000" pitchFamily="2" charset="0"/>
-                <a:cs typeface="Arial" panose="020B0604020202020204" pitchFamily="34" charset="0"/>
-              </a:rPr>
-            </a:br>
-            <a:r>
-              <a:rPr kumimoji="0" lang="en-US" altLang="en-JP" sz="1000" b="0" i="1" u="none" strike="noStrike" cap="none" normalizeH="0" baseline="0" dirty="0">
-                <a:ln>
-                  <a:noFill/>
-                </a:ln>
-                <a:solidFill>
-                  <a:srgbClr val="444746"/>
-                </a:solidFill>
-                <a:effectLst/>
-                <a:latin typeface="Roboto" panose="02000000000000000000" pitchFamily="2" charset="0"/>
-                <a:cs typeface="Arial" panose="020B0604020202020204" pitchFamily="34" charset="0"/>
-              </a:rPr>
-              <a:t>Notes from </a:t>
-            </a:r>
-            <a:r>
-              <a:rPr kumimoji="0" lang="en-US" altLang="en-JP" sz="1000" b="0" i="1" u="none" strike="noStrike" cap="none" normalizeH="0" baseline="0" dirty="0" err="1">
-                <a:ln>
-                  <a:noFill/>
-                </a:ln>
-                <a:solidFill>
-                  <a:srgbClr val="444746"/>
-                </a:solidFill>
-                <a:effectLst/>
-                <a:latin typeface="Roboto" panose="02000000000000000000" pitchFamily="2" charset="0"/>
-                <a:cs typeface="Arial" panose="020B0604020202020204" pitchFamily="34" charset="0"/>
-              </a:rPr>
-              <a:t>CRob</a:t>
-            </a:r>
-            <a:r>
-              <a:rPr kumimoji="0" lang="en-US" altLang="en-JP" sz="1000" b="0" i="1" u="none" strike="noStrike" cap="none" normalizeH="0" baseline="0" dirty="0">
-                <a:ln>
-                  <a:noFill/>
-                </a:ln>
-                <a:solidFill>
-                  <a:srgbClr val="444746"/>
-                </a:solidFill>
-                <a:effectLst/>
-                <a:latin typeface="Roboto" panose="02000000000000000000" pitchFamily="2" charset="0"/>
-                <a:cs typeface="Arial" panose="020B0604020202020204" pitchFamily="34" charset="0"/>
-              </a:rPr>
-              <a:t> over at </a:t>
-            </a:r>
-            <a:r>
-              <a:rPr kumimoji="0" lang="en-US" altLang="en-JP" sz="1000" b="0" i="1" u="none" strike="noStrike" cap="none" normalizeH="0" baseline="0" dirty="0" err="1">
-                <a:ln>
-                  <a:noFill/>
-                </a:ln>
-                <a:solidFill>
-                  <a:srgbClr val="444746"/>
-                </a:solidFill>
-                <a:effectLst/>
-                <a:latin typeface="Roboto" panose="02000000000000000000" pitchFamily="2" charset="0"/>
-                <a:cs typeface="Arial" panose="020B0604020202020204" pitchFamily="34" charset="0"/>
-              </a:rPr>
-              <a:t>OpenSSF</a:t>
-            </a:r>
-            <a:endParaRPr kumimoji="0" lang="en-US" altLang="en-JP" sz="1000" b="0" i="1" u="none" strike="noStrike" cap="none" normalizeH="0" baseline="0" dirty="0">
-              <a:ln>
-                <a:noFill/>
-              </a:ln>
-              <a:solidFill>
-                <a:srgbClr val="444746"/>
-              </a:solidFill>
-              <a:effectLst/>
-              <a:latin typeface="Roboto" panose="02000000000000000000" pitchFamily="2" charset="0"/>
-              <a:cs typeface="Arial" panose="020B0604020202020204" pitchFamily="34" charset="0"/>
-            </a:endParaRPr>
-          </a:p>
-        </p:txBody>
-      </p:sp>
-      <p:sp>
-        <p:nvSpPr>
-          <p:cNvPr id="2" name="TextBox 1">
-            <a:extLst>
-              <a:ext uri="{FF2B5EF4-FFF2-40B4-BE49-F238E27FC236}">
-                <a16:creationId xmlns:a16="http://schemas.microsoft.com/office/drawing/2014/main" id="{9C5CCA5C-B2EE-62C1-A6E4-26087899D741}"/>
-              </a:ext>
-            </a:extLst>
-          </p:cNvPr>
-          <p:cNvSpPr txBox="1"/>
-          <p:nvPr/>
-        </p:nvSpPr>
-        <p:spPr>
-          <a:xfrm>
-            <a:off x="196482" y="205964"/>
-            <a:ext cx="2789546" cy="954107"/>
-          </a:xfrm>
-          <a:prstGeom prst="rect">
-            <a:avLst/>
-          </a:prstGeom>
-          <a:noFill/>
-        </p:spPr>
-        <p:txBody>
-          <a:bodyPr wrap="none" rtlCol="0">
-            <a:spAutoFit/>
-          </a:bodyPr>
-          <a:lstStyle/>
-          <a:p>
-            <a:r>
-              <a:rPr lang="en-JP" dirty="0">
-                <a:solidFill>
-                  <a:srgbClr val="FF0000"/>
-                </a:solidFill>
-                <a:latin typeface="Chalkduster" panose="03050602040202020205" pitchFamily="66" charset="77"/>
-              </a:rPr>
-              <a:t>For reference only. </a:t>
-            </a:r>
-            <a:br>
-              <a:rPr lang="en-JP" dirty="0">
-                <a:solidFill>
-                  <a:srgbClr val="FF0000"/>
-                </a:solidFill>
-                <a:latin typeface="Chalkduster" panose="03050602040202020205" pitchFamily="66" charset="77"/>
-              </a:rPr>
-            </a:br>
-            <a:r>
-              <a:rPr lang="en-JP" dirty="0">
-                <a:solidFill>
-                  <a:srgbClr val="FF0000"/>
-                </a:solidFill>
-                <a:latin typeface="Chalkduster" panose="03050602040202020205" pitchFamily="66" charset="77"/>
-              </a:rPr>
-              <a:t>There is no need to read</a:t>
-            </a:r>
-            <a:br>
-              <a:rPr lang="en-JP" dirty="0">
-                <a:solidFill>
-                  <a:srgbClr val="FF0000"/>
-                </a:solidFill>
-                <a:latin typeface="Chalkduster" panose="03050602040202020205" pitchFamily="66" charset="77"/>
-              </a:rPr>
-            </a:br>
-            <a:r>
-              <a:rPr lang="en-JP" dirty="0">
-                <a:solidFill>
-                  <a:srgbClr val="FF0000"/>
-                </a:solidFill>
-                <a:latin typeface="Chalkduster" panose="03050602040202020205" pitchFamily="66" charset="77"/>
-              </a:rPr>
-              <a:t>this material in-depth</a:t>
-            </a:r>
-            <a:br>
-              <a:rPr lang="en-JP" dirty="0">
-                <a:solidFill>
-                  <a:srgbClr val="FF0000"/>
-                </a:solidFill>
-                <a:latin typeface="Chalkduster" panose="03050602040202020205" pitchFamily="66" charset="77"/>
-              </a:rPr>
-            </a:br>
-            <a:r>
-              <a:rPr lang="en-JP" dirty="0">
-                <a:solidFill>
-                  <a:srgbClr val="FF0000"/>
-                </a:solidFill>
-                <a:latin typeface="Chalkduster" panose="03050602040202020205" pitchFamily="66" charset="77"/>
-              </a:rPr>
-              <a:t>in this meeting</a:t>
-            </a:r>
           </a:p>
         </p:txBody>
       </p:sp>
     </p:spTree>
     <p:extLst>
       <p:ext uri="{BB962C8B-B14F-4D97-AF65-F5344CB8AC3E}">
-        <p14:creationId xmlns:p14="http://schemas.microsoft.com/office/powerpoint/2010/main" val="2862065138"/>
+        <p14:creationId xmlns:p14="http://schemas.microsoft.com/office/powerpoint/2010/main" val="4227717561"/>
       </p:ext>
     </p:extLst>
   </p:cSld>
@@ -8887,40 +8706,14 @@
               <a:rPr lang="en-US" dirty="0"/>
               <a:t>First thoughts: there is a lot of work to do to turn this series of information and solution ideas into a specification, but it seems like an interesting journey, and it would be interesting to see if we could collaborate if the community agrees.</a:t>
             </a:r>
-          </a:p>
-          <a:p>
-            <a:r>
-              <a:rPr lang="en-US" dirty="0"/>
-              <a:t>Key thing: mapping </a:t>
-            </a:r>
-            <a:r>
-              <a:rPr lang="en-US" i="1" dirty="0"/>
-              <a:t>problem</a:t>
-            </a:r>
-            <a:r>
-              <a:rPr lang="en-US" dirty="0"/>
-              <a:t> &gt; </a:t>
-            </a:r>
-            <a:r>
-              <a:rPr lang="en-US" i="1" dirty="0"/>
-              <a:t>requirements to solve </a:t>
-            </a:r>
-            <a:r>
-              <a:rPr lang="en-US" dirty="0"/>
-              <a:t>&gt; </a:t>
-            </a:r>
-            <a:r>
-              <a:rPr lang="en-US" i="1" dirty="0"/>
-              <a:t>solution</a:t>
-            </a:r>
-            <a:endParaRPr lang="en-JP" i="1" dirty="0"/>
+            <a:endParaRPr lang="en-JP" dirty="0"/>
           </a:p>
         </p:txBody>
       </p:sp>
     </p:spTree>
     <p:extLst>
       <p:ext uri="{BB962C8B-B14F-4D97-AF65-F5344CB8AC3E}">
-        <p14:creationId xmlns:p14="http://schemas.microsoft.com/office/powerpoint/2010/main" val="3193790213"/>
+        <p14:creationId xmlns:p14="http://schemas.microsoft.com/office/powerpoint/2010/main" val="2789360724"/>
       </p:ext>
     </p:extLst>
   </p:cSld>
@@ -9021,7 +8814,7 @@
     </p:spTree>
     <p:extLst>
       <p:ext uri="{BB962C8B-B14F-4D97-AF65-F5344CB8AC3E}">
-        <p14:creationId xmlns:p14="http://schemas.microsoft.com/office/powerpoint/2010/main" val="264461085"/>
+        <p14:creationId xmlns:p14="http://schemas.microsoft.com/office/powerpoint/2010/main" val="2085896518"/>
       </p:ext>
     </p:extLst>
   </p:cSld>
@@ -9213,7 +9006,7 @@
     </p:spTree>
     <p:extLst>
       <p:ext uri="{BB962C8B-B14F-4D97-AF65-F5344CB8AC3E}">
-        <p14:creationId xmlns:p14="http://schemas.microsoft.com/office/powerpoint/2010/main" val="162473145"/>
+        <p14:creationId xmlns:p14="http://schemas.microsoft.com/office/powerpoint/2010/main" val="1657136717"/>
       </p:ext>
     </p:extLst>
   </p:cSld>
@@ -9285,7 +9078,7 @@
     </p:spTree>
     <p:extLst>
       <p:ext uri="{BB962C8B-B14F-4D97-AF65-F5344CB8AC3E}">
-        <p14:creationId xmlns:p14="http://schemas.microsoft.com/office/powerpoint/2010/main" val="2218779714"/>
+        <p14:creationId xmlns:p14="http://schemas.microsoft.com/office/powerpoint/2010/main" val="1756685373"/>
       </p:ext>
     </p:extLst>
   </p:cSld>
@@ -9357,7 +9150,7 @@
     </p:spTree>
     <p:extLst>
       <p:ext uri="{BB962C8B-B14F-4D97-AF65-F5344CB8AC3E}">
-        <p14:creationId xmlns:p14="http://schemas.microsoft.com/office/powerpoint/2010/main" val="3044271733"/>
+        <p14:creationId xmlns:p14="http://schemas.microsoft.com/office/powerpoint/2010/main" val="980668282"/>
       </p:ext>
     </p:extLst>
   </p:cSld>
@@ -9608,7 +9401,7 @@
     </p:spTree>
     <p:extLst>
       <p:ext uri="{BB962C8B-B14F-4D97-AF65-F5344CB8AC3E}">
-        <p14:creationId xmlns:p14="http://schemas.microsoft.com/office/powerpoint/2010/main" val="3547865399"/>
+        <p14:creationId xmlns:p14="http://schemas.microsoft.com/office/powerpoint/2010/main" val="1223967034"/>
       </p:ext>
     </p:extLst>
   </p:cSld>
@@ -9744,7 +9537,7 @@
             </a:pPr>
             <a:r>
               <a:rPr lang="en-US" dirty="0"/>
-              <a:t>Specification Work Group – CRA, other regulations and our standards</a:t>
+              <a:t>Specification Work Group – Some Questions for the Community</a:t>
             </a:r>
           </a:p>
           <a:p>
@@ -9780,7 +9573,7 @@
     </p:spTree>
     <p:extLst>
       <p:ext uri="{BB962C8B-B14F-4D97-AF65-F5344CB8AC3E}">
-        <p14:creationId xmlns:p14="http://schemas.microsoft.com/office/powerpoint/2010/main" val="2078939722"/>
+        <p14:creationId xmlns:p14="http://schemas.microsoft.com/office/powerpoint/2010/main" val="1230439474"/>
       </p:ext>
     </p:extLst>
   </p:cSld>
@@ -9864,7 +9657,7 @@
     </p:spTree>
     <p:extLst>
       <p:ext uri="{BB962C8B-B14F-4D97-AF65-F5344CB8AC3E}">
-        <p14:creationId xmlns:p14="http://schemas.microsoft.com/office/powerpoint/2010/main" val="3031273662"/>
+        <p14:creationId xmlns:p14="http://schemas.microsoft.com/office/powerpoint/2010/main" val="1389811891"/>
       </p:ext>
     </p:extLst>
   </p:cSld>
@@ -9955,7 +9748,7 @@
             </a:pPr>
             <a:r>
               <a:rPr lang="en-US" sz="1600" dirty="0"/>
-              <a:t>Welcoming the OpenChain Ambassador Program – we have over 20!:</a:t>
+              <a:t>Welcoming the OpenChain Ambassador Program:</a:t>
             </a:r>
             <a:br>
               <a:rPr lang="en-US" sz="1600" dirty="0"/>
@@ -9979,7 +9772,7 @@
             </a:pPr>
             <a:r>
               <a:rPr lang="en-US" sz="1600" dirty="0"/>
-              <a:t>OpenChain ISO/IEC 18974 was referenced in the CRA standards development:</a:t>
+              <a:t>Update on OpenChain ISO/IEC 18974 and the CRA:</a:t>
             </a:r>
             <a:br>
               <a:rPr lang="en-US" sz="1600" dirty="0"/>
@@ -10003,7 +9796,7 @@
             </a:pPr>
             <a:r>
               <a:rPr lang="en-US" sz="1600" dirty="0"/>
-              <a:t>OpenChain SBOM Work Group – driving forward SBOM quality discussion</a:t>
+              <a:t>RECORDING: OpenChain SBOM Work Group – Monthly Meeting – 2025-09-24</a:t>
             </a:r>
             <a:r>
               <a:rPr lang="en-JP" sz="1600" dirty="0"/>
@@ -10059,7 +9852,7 @@
     </p:spTree>
     <p:extLst>
       <p:ext uri="{BB962C8B-B14F-4D97-AF65-F5344CB8AC3E}">
-        <p14:creationId xmlns:p14="http://schemas.microsoft.com/office/powerpoint/2010/main" val="532206164"/>
+        <p14:creationId xmlns:p14="http://schemas.microsoft.com/office/powerpoint/2010/main" val="3516246975"/>
       </p:ext>
     </p:extLst>
   </p:cSld>
@@ -10146,7 +9939,7 @@
         </p:spPr>
         <p:txBody>
           <a:bodyPr>
-            <a:normAutofit lnSpcReduction="10000"/>
+            <a:normAutofit/>
           </a:bodyPr>
           <a:lstStyle/>
           <a:p>
@@ -10179,17 +9972,7 @@
             </a:pPr>
             <a:r>
               <a:rPr lang="en-US" sz="1600" dirty="0"/>
-              <a:t>We will be following this process closely for the SBOM Quality Guide(s).</a:t>
-            </a:r>
-          </a:p>
-          <a:p>
-            <a:pPr>
-              <a:buFont typeface="+mj-lt"/>
-              <a:buAutoNum type="arabicPeriod"/>
-            </a:pPr>
-            <a:r>
-              <a:rPr lang="en-US" sz="1600" dirty="0"/>
-              <a:t>We (SBOM and Telco) already collaborated with sister projects to prepare comments for the deadline.</a:t>
+              <a:t>We will be following this process closely for the SBOM Quality Guide(s)</a:t>
             </a:r>
           </a:p>
         </p:txBody>
@@ -10227,7 +10010,7 @@
     </p:spTree>
     <p:extLst>
       <p:ext uri="{BB962C8B-B14F-4D97-AF65-F5344CB8AC3E}">
-        <p14:creationId xmlns:p14="http://schemas.microsoft.com/office/powerpoint/2010/main" val="1700579532"/>
+        <p14:creationId xmlns:p14="http://schemas.microsoft.com/office/powerpoint/2010/main" val="2255399623"/>
       </p:ext>
     </p:extLst>
   </p:cSld>
@@ -10341,7 +10124,7 @@
     </p:spTree>
     <p:extLst>
       <p:ext uri="{BB962C8B-B14F-4D97-AF65-F5344CB8AC3E}">
-        <p14:creationId xmlns:p14="http://schemas.microsoft.com/office/powerpoint/2010/main" val="2305457057"/>
+        <p14:creationId xmlns:p14="http://schemas.microsoft.com/office/powerpoint/2010/main" val="2802215493"/>
       </p:ext>
     </p:extLst>
   </p:cSld>
@@ -11058,7 +10841,7 @@
     </p:spTree>
     <p:extLst>
       <p:ext uri="{BB962C8B-B14F-4D97-AF65-F5344CB8AC3E}">
-        <p14:creationId xmlns:p14="http://schemas.microsoft.com/office/powerpoint/2010/main" val="3438064881"/>
+        <p14:creationId xmlns:p14="http://schemas.microsoft.com/office/powerpoint/2010/main" val="1322698328"/>
       </p:ext>
     </p:extLst>
   </p:cSld>
@@ -11143,7 +10926,7 @@
             </a:pPr>
             <a:r>
               <a:rPr lang="en-US" dirty="0"/>
-              <a:t>An open question for our community is whether we should continue to expand the scope and coverage of our two standards.</a:t>
+              <a:t>An open question for our community is whether we should continue to expand the scope and coverage of our standards.</a:t>
             </a:r>
           </a:p>
           <a:p>
@@ -11158,7 +10941,7 @@
             </a:pPr>
             <a:r>
               <a:rPr lang="en-US" dirty="0"/>
-              <a:t>Perhaps the most immediate example is the Security Specification, ISO/IEC 18974, with the incoming CRA regulation in December 2026 (see next slide).</a:t>
+              <a:t>Perhaps the most immediate example is the Security Specification, ISO/IEC 18974, with the incoming CRA regulation in December 2026.</a:t>
             </a:r>
           </a:p>
           <a:p>
@@ -11172,12 +10955,8 @@
               <a:buNone/>
             </a:pPr>
             <a:r>
-              <a:rPr lang="en-US" i="1" dirty="0" err="1"/>
-              <a:t>tl;dr</a:t>
-            </a:r>
-            <a:r>
-              <a:rPr lang="en-US" i="1" dirty="0"/>
-              <a:t>: at the North America / Europe meeting earlier this month, we had emerging consensus that the most important thing was a global focus, and to explore commonalities of regulations…but not favor specific geographies.</a:t>
+              <a:rPr lang="en-US" dirty="0"/>
+              <a:t>On the next slide we will examine one of the key regulation(s) that will impact open source projects.</a:t>
             </a:r>
           </a:p>
         </p:txBody>
@@ -11215,7 +10994,7 @@
     </p:spTree>
     <p:extLst>
       <p:ext uri="{BB962C8B-B14F-4D97-AF65-F5344CB8AC3E}">
-        <p14:creationId xmlns:p14="http://schemas.microsoft.com/office/powerpoint/2010/main" val="2364177965"/>
+        <p14:creationId xmlns:p14="http://schemas.microsoft.com/office/powerpoint/2010/main" val="1880277658"/>
       </p:ext>
     </p:extLst>
   </p:cSld>
